--- a/labs/lab08_variants.pptx
+++ b/labs/lab08_variants.pptx
@@ -205,7 +205,7 @@
           <a:p>
             <a:fld id="{08E6E0A8-E17C-C949-B17E-7A1A6494483A}" type="datetimeFigureOut">
               <a:rPr lang="en-US" smtClean="0"/>
-              <a:t>3/29/17</a:t>
+              <a:t>3/30/17</a:t>
             </a:fld>
             <a:endParaRPr lang="en-US"/>
           </a:p>
@@ -738,7 +738,7 @@
           <a:p>
             <a:fld id="{42B8B0BE-C8D7-EB48-AD68-71DB5002F24B}" type="datetimeFigureOut">
               <a:rPr lang="en-US" smtClean="0"/>
-              <a:t>3/29/17</a:t>
+              <a:t>3/30/17</a:t>
             </a:fld>
             <a:endParaRPr lang="en-US"/>
           </a:p>
@@ -908,7 +908,7 @@
           <a:p>
             <a:fld id="{42B8B0BE-C8D7-EB48-AD68-71DB5002F24B}" type="datetimeFigureOut">
               <a:rPr lang="en-US" smtClean="0"/>
-              <a:t>3/29/17</a:t>
+              <a:t>3/30/17</a:t>
             </a:fld>
             <a:endParaRPr lang="en-US"/>
           </a:p>
@@ -1088,7 +1088,7 @@
           <a:p>
             <a:fld id="{42B8B0BE-C8D7-EB48-AD68-71DB5002F24B}" type="datetimeFigureOut">
               <a:rPr lang="en-US" smtClean="0"/>
-              <a:t>3/29/17</a:t>
+              <a:t>3/30/17</a:t>
             </a:fld>
             <a:endParaRPr lang="en-US"/>
           </a:p>
@@ -1258,7 +1258,7 @@
           <a:p>
             <a:fld id="{42B8B0BE-C8D7-EB48-AD68-71DB5002F24B}" type="datetimeFigureOut">
               <a:rPr lang="en-US" smtClean="0"/>
-              <a:t>3/29/17</a:t>
+              <a:t>3/30/17</a:t>
             </a:fld>
             <a:endParaRPr lang="en-US"/>
           </a:p>
@@ -1504,7 +1504,7 @@
           <a:p>
             <a:fld id="{42B8B0BE-C8D7-EB48-AD68-71DB5002F24B}" type="datetimeFigureOut">
               <a:rPr lang="en-US" smtClean="0"/>
-              <a:t>3/29/17</a:t>
+              <a:t>3/30/17</a:t>
             </a:fld>
             <a:endParaRPr lang="en-US"/>
           </a:p>
@@ -1792,7 +1792,7 @@
           <a:p>
             <a:fld id="{42B8B0BE-C8D7-EB48-AD68-71DB5002F24B}" type="datetimeFigureOut">
               <a:rPr lang="en-US" smtClean="0"/>
-              <a:t>3/29/17</a:t>
+              <a:t>3/30/17</a:t>
             </a:fld>
             <a:endParaRPr lang="en-US"/>
           </a:p>
@@ -2214,7 +2214,7 @@
           <a:p>
             <a:fld id="{42B8B0BE-C8D7-EB48-AD68-71DB5002F24B}" type="datetimeFigureOut">
               <a:rPr lang="en-US" smtClean="0"/>
-              <a:t>3/29/17</a:t>
+              <a:t>3/30/17</a:t>
             </a:fld>
             <a:endParaRPr lang="en-US"/>
           </a:p>
@@ -2332,7 +2332,7 @@
           <a:p>
             <a:fld id="{42B8B0BE-C8D7-EB48-AD68-71DB5002F24B}" type="datetimeFigureOut">
               <a:rPr lang="en-US" smtClean="0"/>
-              <a:t>3/29/17</a:t>
+              <a:t>3/30/17</a:t>
             </a:fld>
             <a:endParaRPr lang="en-US"/>
           </a:p>
@@ -2427,7 +2427,7 @@
           <a:p>
             <a:fld id="{42B8B0BE-C8D7-EB48-AD68-71DB5002F24B}" type="datetimeFigureOut">
               <a:rPr lang="en-US" smtClean="0"/>
-              <a:t>3/29/17</a:t>
+              <a:t>3/30/17</a:t>
             </a:fld>
             <a:endParaRPr lang="en-US"/>
           </a:p>
@@ -2704,7 +2704,7 @@
           <a:p>
             <a:fld id="{42B8B0BE-C8D7-EB48-AD68-71DB5002F24B}" type="datetimeFigureOut">
               <a:rPr lang="en-US" smtClean="0"/>
-              <a:t>3/29/17</a:t>
+              <a:t>3/30/17</a:t>
             </a:fld>
             <a:endParaRPr lang="en-US"/>
           </a:p>
@@ -2957,7 +2957,7 @@
           <a:p>
             <a:fld id="{42B8B0BE-C8D7-EB48-AD68-71DB5002F24B}" type="datetimeFigureOut">
               <a:rPr lang="en-US" smtClean="0"/>
-              <a:t>3/29/17</a:t>
+              <a:t>3/30/17</a:t>
             </a:fld>
             <a:endParaRPr lang="en-US"/>
           </a:p>
@@ -3170,7 +3170,7 @@
           <a:p>
             <a:fld id="{42B8B0BE-C8D7-EB48-AD68-71DB5002F24B}" type="datetimeFigureOut">
               <a:rPr lang="en-US" smtClean="0"/>
-              <a:t>3/29/17</a:t>
+              <a:t>3/30/17</a:t>
             </a:fld>
             <a:endParaRPr lang="en-US"/>
           </a:p>
@@ -3634,11 +3634,7 @@
             </a:r>
             <a:r>
               <a:rPr lang="en-US" sz="2800" dirty="0" smtClean="0"/>
-              <a:t>/30/</a:t>
-            </a:r>
-            <a:r>
-              <a:rPr lang="en-US" sz="2800" dirty="0" smtClean="0"/>
-              <a:t>2017</a:t>
+              <a:t>/30/2017</a:t>
             </a:r>
             <a:endParaRPr lang="en-US" sz="2800" dirty="0"/>
           </a:p>
@@ -4896,7 +4892,21 @@
                 <a:latin typeface="Courier"/>
                 <a:cs typeface="Courier"/>
               </a:rPr>
-              <a:t>/reference/Ecoli_k12_MG1655.</a:t>
+              <a:t>/</a:t>
+            </a:r>
+            <a:r>
+              <a:rPr lang="en-US" sz="1800" dirty="0" smtClean="0">
+                <a:latin typeface="Courier"/>
+                <a:cs typeface="Courier"/>
+              </a:rPr>
+              <a:t>references/</a:t>
+            </a:r>
+            <a:r>
+              <a:rPr lang="en-US" sz="1800" dirty="0">
+                <a:latin typeface="Courier"/>
+                <a:cs typeface="Courier"/>
+              </a:rPr>
+              <a:t>Ecoli_k12_MG1655.</a:t>
             </a:r>
             <a:r>
               <a:rPr lang="en-US" sz="1800" dirty="0" smtClean="0">
@@ -5185,6 +5195,13 @@
   <p:clrMapOvr>
     <a:masterClrMapping/>
   </p:clrMapOvr>
+  <p:timing>
+    <p:tnLst>
+      <p:par>
+        <p:cTn xmlns:p14="http://schemas.microsoft.com/office/powerpoint/2010/main" id="1" dur="indefinite" restart="never" nodeType="tmRoot"/>
+      </p:par>
+    </p:tnLst>
+  </p:timing>
 </p:sld>
 </file>
 
@@ -5629,8 +5646,19 @@
                 <a:latin typeface="Courier"/>
                 <a:cs typeface="Courier"/>
               </a:rPr>
-              <a:t> reference</a:t>
-            </a:r>
+              <a:t> </a:t>
+            </a:r>
+            <a:r>
+              <a:rPr lang="en-US" dirty="0" smtClean="0">
+                <a:latin typeface="Courier"/>
+                <a:cs typeface="Courier"/>
+              </a:rPr>
+              <a:t>references</a:t>
+            </a:r>
+            <a:endParaRPr lang="en-US" dirty="0" smtClean="0">
+              <a:latin typeface="Courier"/>
+              <a:cs typeface="Courier"/>
+            </a:endParaRPr>
           </a:p>
           <a:p>
             <a:pPr marL="0" indent="0">
@@ -5937,8 +5965,19 @@
                 <a:latin typeface="Courier"/>
                 <a:cs typeface="Courier"/>
               </a:rPr>
-              <a:t>cd reference</a:t>
-            </a:r>
+              <a:t>cd </a:t>
+            </a:r>
+            <a:r>
+              <a:rPr lang="en-US" sz="1800" dirty="0" smtClean="0">
+                <a:latin typeface="Courier"/>
+                <a:cs typeface="Courier"/>
+              </a:rPr>
+              <a:t>references</a:t>
+            </a:r>
+            <a:endParaRPr lang="en-US" sz="1800" dirty="0" smtClean="0">
+              <a:latin typeface="Courier"/>
+              <a:cs typeface="Courier"/>
+            </a:endParaRPr>
           </a:p>
           <a:p>
             <a:pPr marL="0" indent="0">
@@ -5963,11 +6002,15 @@
             </a:r>
             <a:r>
               <a:rPr lang="en-US" sz="1800" dirty="0"/>
-              <a:t>/homes/liu3zhen/teaching/BA17/Lab08_variants/references</a:t>
+              <a:t>/homes/liu3zhen/teaching/BA17/Lab08_variants/</a:t>
             </a:r>
             <a:r>
               <a:rPr lang="en-US" sz="1800" dirty="0" smtClean="0"/>
-              <a:t>* .</a:t>
+              <a:t>references/* </a:t>
+            </a:r>
+            <a:r>
+              <a:rPr lang="en-US" sz="1800" dirty="0" smtClean="0"/>
+              <a:t>.</a:t>
             </a:r>
             <a:endParaRPr lang="en-US" sz="1800" dirty="0">
               <a:latin typeface="Courier"/>
@@ -6069,7 +6112,15 @@
             </a:r>
             <a:r>
               <a:rPr lang="en-US" sz="1800" dirty="0"/>
-              <a:t>/homes/liu3zhen/teaching/PLPTH613/Lab08_variants/</a:t>
+              <a:t>/homes/liu3zhen/teaching</a:t>
+            </a:r>
+            <a:r>
+              <a:rPr lang="en-US" sz="1800" dirty="0" smtClean="0"/>
+              <a:t>/BA17/</a:t>
+            </a:r>
+            <a:r>
+              <a:rPr lang="en-US" sz="1800" dirty="0"/>
+              <a:t>Lab08_variants/</a:t>
             </a:r>
             <a:r>
               <a:rPr lang="en-US" sz="1800" dirty="0" smtClean="0"/>
